--- a/ProjectExecution/BA/SpecsWireframes/Anirban003TeacherAppWireframes.pptx
+++ b/ProjectExecution/BA/SpecsWireframes/Anirban003TeacherAppWireframes.pptx
@@ -630,76 +630,8 @@
           <a:bodyPr/>
           <a:lstStyle/>
           <a:p>
-            <a:r>
-              <a:rPr lang="en-AU" dirty="0" smtClean="0"/>
-              <a:t>Add scroll bar</a:t>
-            </a:r>
-          </a:p>
-          <a:p>
-            <a:r>
-              <a:rPr lang="en-AU" dirty="0" smtClean="0"/>
-              <a:t>Language of Course/s</a:t>
-            </a:r>
-          </a:p>
-          <a:p>
-            <a:r>
-              <a:rPr lang="en-AU" dirty="0" smtClean="0"/>
-              <a:t>Experience “in years”</a:t>
-            </a:r>
-          </a:p>
-          <a:p>
-            <a:r>
-              <a:rPr lang="en-AU" dirty="0" smtClean="0"/>
-              <a:t>Following fields should have balloon</a:t>
-            </a:r>
-            <a:r>
-              <a:rPr lang="en-AU" baseline="0" dirty="0" smtClean="0"/>
-              <a:t> help</a:t>
-            </a:r>
-          </a:p>
-          <a:p>
-            <a:pPr marL="228600" indent="-228600">
-              <a:buAutoNum type="arabicPeriod"/>
-            </a:pPr>
-            <a:r>
-              <a:rPr lang="en-AU" dirty="0" smtClean="0"/>
-              <a:t>Institution</a:t>
-            </a:r>
-          </a:p>
-          <a:p>
-            <a:pPr marL="228600" indent="-228600">
-              <a:buAutoNum type="arabicPeriod"/>
-            </a:pPr>
-            <a:r>
-              <a:rPr lang="en-AU" dirty="0" smtClean="0"/>
-              <a:t>Language</a:t>
-            </a:r>
-            <a:r>
-              <a:rPr lang="en-AU" baseline="0" dirty="0" smtClean="0"/>
-              <a:t> of medium(Language of courses)</a:t>
-            </a:r>
-          </a:p>
-          <a:p>
-            <a:pPr marL="228600" indent="-228600">
-              <a:buAutoNum type="arabicPeriod"/>
-            </a:pPr>
-            <a:r>
-              <a:rPr lang="en-AU" baseline="0" dirty="0" smtClean="0"/>
-              <a:t>Board/University </a:t>
-            </a:r>
-          </a:p>
-          <a:p>
             <a:pPr marL="0" indent="0">
               <a:buNone/>
-            </a:pPr>
-            <a:r>
-              <a:rPr lang="en-AU" baseline="0" dirty="0" smtClean="0"/>
-              <a:t>Bank Code : IFSC code or BSB code</a:t>
-            </a:r>
-          </a:p>
-          <a:p>
-            <a:pPr marL="228600" indent="-228600">
-              <a:buAutoNum type="arabicPeriod"/>
             </a:pPr>
             <a:endParaRPr lang="en-AU" dirty="0"/>
           </a:p>
@@ -785,30 +717,6 @@
           <a:bodyPr/>
           <a:lstStyle/>
           <a:p>
-            <a:r>
-              <a:rPr lang="en-AU" dirty="0" smtClean="0"/>
-              <a:t>End</a:t>
-            </a:r>
-            <a:r>
-              <a:rPr lang="en-AU" baseline="0" dirty="0" smtClean="0"/>
-              <a:t> of the acceptance of T&amp;C there will be a note saying “</a:t>
-            </a:r>
-            <a:r>
-              <a:rPr lang="en-AU" baseline="0" dirty="0" err="1" smtClean="0"/>
-              <a:t>Anodiam</a:t>
-            </a:r>
-            <a:r>
-              <a:rPr lang="en-AU" baseline="0" dirty="0" smtClean="0"/>
-              <a:t> takes </a:t>
-            </a:r>
-            <a:r>
-              <a:rPr lang="en-AU" baseline="0" dirty="0" err="1" smtClean="0"/>
-              <a:t>t&amp;c</a:t>
-            </a:r>
-            <a:r>
-              <a:rPr lang="en-AU" baseline="0" dirty="0" smtClean="0"/>
-              <a:t> very seriously and any breech of it would lead to cancellation of registration, heavy penalty, legal action or both. Copies of both the terms and conditions will be sent to the teachers in their registered email id for future reference.</a:t>
-            </a:r>
             <a:endParaRPr lang="en-AU" dirty="0"/>
           </a:p>
         </p:txBody>
@@ -7195,7 +7103,7 @@
       </p:sp>
       <p:pic>
         <p:nvPicPr>
-          <p:cNvPr id="9" name="Picture 8"/>
+          <p:cNvPr id="4" name="Picture 3"/>
           <p:cNvPicPr>
             <a:picLocks noChangeAspect="1"/>
           </p:cNvPicPr>
@@ -7209,7 +7117,7 @@
         </p:blipFill>
         <p:spPr>
           <a:xfrm>
-            <a:off x="838666" y="880043"/>
+            <a:off x="899592" y="836712"/>
             <a:ext cx="7466667" cy="5933333"/>
           </a:xfrm>
           <a:prstGeom prst="rect">
@@ -9794,8 +9702,8 @@
         </p:nvSpPr>
         <p:spPr>
           <a:xfrm>
-            <a:off x="910993" y="332656"/>
-            <a:ext cx="7084633" cy="517065"/>
+            <a:off x="1117785" y="332656"/>
+            <a:ext cx="6671057" cy="905633"/>
           </a:xfrm>
           <a:prstGeom prst="rect">
             <a:avLst/>
@@ -9834,7 +9742,31 @@
                 <a:latin typeface="Arial" panose="020B0604020202020204" pitchFamily="34" charset="0"/>
                 <a:ea typeface="Arial" panose="020B0604020202020204" pitchFamily="34" charset="0"/>
               </a:rPr>
-              <a:t>Signup – Teacher Details page - 1</a:t>
+              <a:t>Signup – Teacher </a:t>
+            </a:r>
+            <a:r>
+              <a:rPr lang="en-US" sz="2400" b="1" dirty="0" smtClean="0">
+                <a:latin typeface="Arial" panose="020B0604020202020204" pitchFamily="34" charset="0"/>
+                <a:ea typeface="Arial" panose="020B0604020202020204" pitchFamily="34" charset="0"/>
+              </a:rPr>
+              <a:t>Signup page</a:t>
+            </a:r>
+          </a:p>
+          <a:p>
+            <a:pPr algn="ctr">
+              <a:lnSpc>
+                <a:spcPct val="115000"/>
+              </a:lnSpc>
+              <a:spcAft>
+                <a:spcPts val="0"/>
+              </a:spcAft>
+            </a:pPr>
+            <a:r>
+              <a:rPr lang="en-US" sz="2400" b="1" dirty="0" smtClean="0">
+                <a:latin typeface="Arial" panose="020B0604020202020204" pitchFamily="34" charset="0"/>
+                <a:ea typeface="Arial" panose="020B0604020202020204" pitchFamily="34" charset="0"/>
+              </a:rPr>
+              <a:t>Personal details section</a:t>
             </a:r>
             <a:endParaRPr lang="en-AU" sz="2400" dirty="0">
               <a:effectLst/>
@@ -9852,7 +9784,7 @@
         </p:nvSpPr>
         <p:spPr>
           <a:xfrm>
-            <a:off x="431032" y="849721"/>
+            <a:off x="431032" y="1196752"/>
             <a:ext cx="8245424" cy="307777"/>
           </a:xfrm>
           <a:prstGeom prst="rect">
@@ -9972,71 +9904,13 @@
       </p:grpSpPr>
       <p:sp>
         <p:nvSpPr>
-          <p:cNvPr id="2" name="Rectangle 1"/>
-          <p:cNvSpPr/>
-          <p:nvPr/>
-        </p:nvSpPr>
-        <p:spPr>
-          <a:xfrm>
-            <a:off x="407653" y="332656"/>
-            <a:ext cx="8091318" cy="480901"/>
-          </a:xfrm>
-          <a:prstGeom prst="rect">
-            <a:avLst/>
-          </a:prstGeom>
-        </p:spPr>
-        <p:txBody>
-          <a:bodyPr wrap="none">
-            <a:spAutoFit/>
-          </a:bodyPr>
-          <a:lstStyle/>
-          <a:p>
-            <a:pPr algn="ctr">
-              <a:lnSpc>
-                <a:spcPct val="115000"/>
-              </a:lnSpc>
-              <a:spcAft>
-                <a:spcPts val="0"/>
-              </a:spcAft>
-            </a:pPr>
-            <a:r>
-              <a:rPr lang="en-US" sz="2400" b="1" dirty="0" smtClean="0">
-                <a:latin typeface="Arial" panose="020B0604020202020204" pitchFamily="34" charset="0"/>
-                <a:ea typeface="Arial" panose="020B0604020202020204" pitchFamily="34" charset="0"/>
-              </a:rPr>
-              <a:t>Teacher App</a:t>
-            </a:r>
-            <a:r>
-              <a:rPr lang="en-US" sz="2400" b="1" dirty="0">
-                <a:latin typeface="Arial" panose="020B0604020202020204" pitchFamily="34" charset="0"/>
-                <a:ea typeface="Arial" panose="020B0604020202020204" pitchFamily="34" charset="0"/>
-              </a:rPr>
-              <a:t>: </a:t>
-            </a:r>
-            <a:r>
-              <a:rPr lang="en-US" sz="2400" b="1" dirty="0" smtClean="0">
-                <a:latin typeface="Arial" panose="020B0604020202020204" pitchFamily="34" charset="0"/>
-                <a:ea typeface="Arial" panose="020B0604020202020204" pitchFamily="34" charset="0"/>
-              </a:rPr>
-              <a:t>Signup – Teacher Details page contd. - 2</a:t>
-            </a:r>
-            <a:endParaRPr lang="en-AU" sz="2400" dirty="0">
-              <a:effectLst/>
-              <a:latin typeface="Arial" panose="020B0604020202020204" pitchFamily="34" charset="0"/>
-              <a:ea typeface="Arial" panose="020B0604020202020204" pitchFamily="34" charset="0"/>
-            </a:endParaRPr>
-          </a:p>
-        </p:txBody>
-      </p:sp>
-      <p:sp>
-        <p:nvSpPr>
           <p:cNvPr id="6" name="Rectangle 5"/>
           <p:cNvSpPr/>
           <p:nvPr/>
         </p:nvSpPr>
         <p:spPr>
           <a:xfrm>
-            <a:off x="431032" y="849721"/>
+            <a:off x="431032" y="1393031"/>
             <a:ext cx="8245424" cy="307777"/>
           </a:xfrm>
           <a:prstGeom prst="rect">
@@ -10095,7 +9969,7 @@
       </p:sp>
       <p:pic>
         <p:nvPicPr>
-          <p:cNvPr id="5" name="Picture 4"/>
+          <p:cNvPr id="3" name="Picture 2"/>
           <p:cNvPicPr>
             <a:picLocks noChangeAspect="1"/>
           </p:cNvPicPr>
@@ -10109,14 +9983,96 @@
         </p:blipFill>
         <p:spPr>
           <a:xfrm>
-            <a:off x="857250" y="1916832"/>
-            <a:ext cx="7429500" cy="4133850"/>
+            <a:off x="857714" y="2019423"/>
+            <a:ext cx="7428571" cy="4361905"/>
           </a:xfrm>
           <a:prstGeom prst="rect">
             <a:avLst/>
           </a:prstGeom>
         </p:spPr>
       </p:pic>
+      <p:sp>
+        <p:nvSpPr>
+          <p:cNvPr id="7" name="Rectangle 6"/>
+          <p:cNvSpPr/>
+          <p:nvPr/>
+        </p:nvSpPr>
+        <p:spPr>
+          <a:xfrm>
+            <a:off x="1117785" y="332656"/>
+            <a:ext cx="6671057" cy="941796"/>
+          </a:xfrm>
+          <a:prstGeom prst="rect">
+            <a:avLst/>
+          </a:prstGeom>
+        </p:spPr>
+        <p:txBody>
+          <a:bodyPr wrap="none">
+            <a:spAutoFit/>
+          </a:bodyPr>
+          <a:lstStyle/>
+          <a:p>
+            <a:pPr algn="ctr">
+              <a:lnSpc>
+                <a:spcPct val="115000"/>
+              </a:lnSpc>
+              <a:spcAft>
+                <a:spcPts val="0"/>
+              </a:spcAft>
+            </a:pPr>
+            <a:r>
+              <a:rPr lang="en-US" sz="2400" b="1" dirty="0" smtClean="0">
+                <a:latin typeface="Arial" panose="020B0604020202020204" pitchFamily="34" charset="0"/>
+                <a:ea typeface="Arial" panose="020B0604020202020204" pitchFamily="34" charset="0"/>
+              </a:rPr>
+              <a:t>Teacher App</a:t>
+            </a:r>
+            <a:r>
+              <a:rPr lang="en-US" sz="2400" b="1" dirty="0">
+                <a:latin typeface="Arial" panose="020B0604020202020204" pitchFamily="34" charset="0"/>
+                <a:ea typeface="Arial" panose="020B0604020202020204" pitchFamily="34" charset="0"/>
+              </a:rPr>
+              <a:t>: </a:t>
+            </a:r>
+            <a:r>
+              <a:rPr lang="en-US" sz="2400" b="1" dirty="0" smtClean="0">
+                <a:latin typeface="Arial" panose="020B0604020202020204" pitchFamily="34" charset="0"/>
+                <a:ea typeface="Arial" panose="020B0604020202020204" pitchFamily="34" charset="0"/>
+              </a:rPr>
+              <a:t>Signup – Teacher </a:t>
+            </a:r>
+            <a:r>
+              <a:rPr lang="en-US" sz="2400" b="1" dirty="0" smtClean="0">
+                <a:latin typeface="Arial" panose="020B0604020202020204" pitchFamily="34" charset="0"/>
+                <a:ea typeface="Arial" panose="020B0604020202020204" pitchFamily="34" charset="0"/>
+              </a:rPr>
+              <a:t>Signup page</a:t>
+            </a:r>
+          </a:p>
+          <a:p>
+            <a:pPr algn="ctr">
+              <a:lnSpc>
+                <a:spcPct val="115000"/>
+              </a:lnSpc>
+              <a:spcAft>
+                <a:spcPts val="0"/>
+              </a:spcAft>
+            </a:pPr>
+            <a:r>
+              <a:rPr lang="en-US" sz="2400" b="1" dirty="0" smtClean="0">
+                <a:latin typeface="Arial" panose="020B0604020202020204" pitchFamily="34" charset="0"/>
+                <a:ea typeface="Arial" panose="020B0604020202020204" pitchFamily="34" charset="0"/>
+              </a:rPr>
+              <a:t>Professional and Financial details section</a:t>
+            </a:r>
+            <a:endParaRPr lang="en-AU" sz="2400" dirty="0">
+              <a:effectLst/>
+              <a:latin typeface="Arial" panose="020B0604020202020204" pitchFamily="34" charset="0"/>
+              <a:ea typeface="Arial" panose="020B0604020202020204" pitchFamily="34" charset="0"/>
+            </a:endParaRPr>
+          </a:p>
+        </p:txBody>
+      </p:sp>
     </p:spTree>
     <p:extLst>
       <p:ext uri="{BB962C8B-B14F-4D97-AF65-F5344CB8AC3E}">
@@ -10156,14 +10112,79 @@
       </p:grpSpPr>
       <p:sp>
         <p:nvSpPr>
-          <p:cNvPr id="2" name="Rectangle 1"/>
+          <p:cNvPr id="5" name="Rectangle 4"/>
           <p:cNvSpPr/>
           <p:nvPr/>
         </p:nvSpPr>
         <p:spPr>
           <a:xfrm>
-            <a:off x="407653" y="332656"/>
-            <a:ext cx="8091318" cy="480901"/>
+            <a:off x="431032" y="1340768"/>
+            <a:ext cx="8245424" cy="307777"/>
+          </a:xfrm>
+          <a:prstGeom prst="rect">
+            <a:avLst/>
+          </a:prstGeom>
+        </p:spPr>
+        <p:txBody>
+          <a:bodyPr wrap="square">
+            <a:spAutoFit/>
+          </a:bodyPr>
+          <a:lstStyle/>
+          <a:p>
+            <a:pPr algn="ctr"/>
+            <a:r>
+              <a:rPr lang="en-US" sz="1400" dirty="0">
+                <a:latin typeface="Arial" panose="020B0604020202020204" pitchFamily="34" charset="0"/>
+                <a:ea typeface="Arial" panose="020B0604020202020204" pitchFamily="34" charset="0"/>
+              </a:rPr>
+              <a:t>Link: </a:t>
+            </a:r>
+            <a:r>
+              <a:rPr lang="en-US" sz="1400" u="sng" dirty="0">
+                <a:solidFill>
+                  <a:srgbClr val="0000FF"/>
+                </a:solidFill>
+                <a:latin typeface="Arial" panose="020B0604020202020204" pitchFamily="34" charset="0"/>
+                <a:ea typeface="Arial" panose="020B0604020202020204" pitchFamily="34" charset="0"/>
+                <a:hlinkClick r:id="rId3"/>
+              </a:rPr>
+              <a:t>https</a:t>
+            </a:r>
+            <a:r>
+              <a:rPr lang="en-US" sz="1400" u="sng" dirty="0" smtClean="0">
+                <a:solidFill>
+                  <a:srgbClr val="0000FF"/>
+                </a:solidFill>
+                <a:latin typeface="Arial" panose="020B0604020202020204" pitchFamily="34" charset="0"/>
+                <a:ea typeface="Arial" panose="020B0604020202020204" pitchFamily="34" charset="0"/>
+                <a:hlinkClick r:id="rId3"/>
+              </a:rPr>
+              <a:t>://</a:t>
+            </a:r>
+            <a:r>
+              <a:rPr lang="en-US" sz="1400" u="sng" dirty="0" smtClean="0">
+                <a:solidFill>
+                  <a:srgbClr val="0000FF"/>
+                </a:solidFill>
+                <a:latin typeface="Arial" panose="020B0604020202020204" pitchFamily="34" charset="0"/>
+                <a:ea typeface="Arial" panose="020B0604020202020204" pitchFamily="34" charset="0"/>
+              </a:rPr>
+              <a:t>anodiam.com/teacher/signup</a:t>
+            </a:r>
+            <a:endParaRPr lang="en-AU" sz="1400" dirty="0"/>
+          </a:p>
+        </p:txBody>
+      </p:sp>
+      <p:sp>
+        <p:nvSpPr>
+          <p:cNvPr id="6" name="Rectangle 5"/>
+          <p:cNvSpPr/>
+          <p:nvPr/>
+        </p:nvSpPr>
+        <p:spPr>
+          <a:xfrm>
+            <a:off x="1117785" y="332656"/>
+            <a:ext cx="6671057" cy="941796"/>
           </a:xfrm>
           <a:prstGeom prst="rect">
             <a:avLst/>
@@ -10202,7 +10223,38 @@
                 <a:latin typeface="Arial" panose="020B0604020202020204" pitchFamily="34" charset="0"/>
                 <a:ea typeface="Arial" panose="020B0604020202020204" pitchFamily="34" charset="0"/>
               </a:rPr>
-              <a:t>Signup – Teacher Details page contd. - 3</a:t>
+              <a:t>Signup – Teacher </a:t>
+            </a:r>
+            <a:r>
+              <a:rPr lang="en-US" sz="2400" b="1" dirty="0" smtClean="0">
+                <a:latin typeface="Arial" panose="020B0604020202020204" pitchFamily="34" charset="0"/>
+                <a:ea typeface="Arial" panose="020B0604020202020204" pitchFamily="34" charset="0"/>
+              </a:rPr>
+              <a:t>Signup page</a:t>
+            </a:r>
+          </a:p>
+          <a:p>
+            <a:pPr algn="ctr">
+              <a:lnSpc>
+                <a:spcPct val="115000"/>
+              </a:lnSpc>
+              <a:spcAft>
+                <a:spcPts val="0"/>
+              </a:spcAft>
+            </a:pPr>
+            <a:r>
+              <a:rPr lang="en-US" sz="2400" b="1" dirty="0" smtClean="0">
+                <a:latin typeface="Arial" panose="020B0604020202020204" pitchFamily="34" charset="0"/>
+                <a:ea typeface="Arial" panose="020B0604020202020204" pitchFamily="34" charset="0"/>
+              </a:rPr>
+              <a:t>Upload section </a:t>
+            </a:r>
+            <a:r>
+              <a:rPr lang="en-US" sz="2400" b="1" dirty="0" smtClean="0">
+                <a:latin typeface="Arial" panose="020B0604020202020204" pitchFamily="34" charset="0"/>
+                <a:ea typeface="Arial" panose="020B0604020202020204" pitchFamily="34" charset="0"/>
+              </a:rPr>
+              <a:t>and T&amp;C details</a:t>
             </a:r>
             <a:endParaRPr lang="en-AU" sz="2400" dirty="0">
               <a:effectLst/>
@@ -10214,98 +10266,28 @@
       </p:sp>
       <p:pic>
         <p:nvPicPr>
-          <p:cNvPr id="4" name="Picture 3"/>
+          <p:cNvPr id="3" name="Picture 2"/>
           <p:cNvPicPr>
             <a:picLocks noChangeAspect="1"/>
           </p:cNvPicPr>
           <p:nvPr/>
         </p:nvPicPr>
         <p:blipFill>
-          <a:blip r:embed="rId3"/>
+          <a:blip r:embed="rId4"/>
           <a:stretch>
             <a:fillRect/>
           </a:stretch>
         </p:blipFill>
         <p:spPr>
           <a:xfrm>
-            <a:off x="881524" y="1844824"/>
-            <a:ext cx="7380952" cy="4028571"/>
-          </a:xfrm>
-          <a:prstGeom prst="rect">
-            <a:avLst/>
-          </a:prstGeom>
-          <a:ln w="28575">
-            <a:solidFill>
-              <a:srgbClr val="2F2FAF"/>
-            </a:solidFill>
-          </a:ln>
-        </p:spPr>
-      </p:pic>
-      <p:sp>
-        <p:nvSpPr>
-          <p:cNvPr id="5" name="Rectangle 4"/>
-          <p:cNvSpPr/>
-          <p:nvPr/>
-        </p:nvSpPr>
-        <p:spPr>
-          <a:xfrm>
-            <a:off x="431032" y="849721"/>
-            <a:ext cx="8245424" cy="307777"/>
+            <a:off x="857714" y="1818264"/>
+            <a:ext cx="7428571" cy="4419048"/>
           </a:xfrm>
           <a:prstGeom prst="rect">
             <a:avLst/>
           </a:prstGeom>
         </p:spPr>
-        <p:txBody>
-          <a:bodyPr wrap="square">
-            <a:spAutoFit/>
-          </a:bodyPr>
-          <a:lstStyle/>
-          <a:p>
-            <a:pPr algn="ctr"/>
-            <a:r>
-              <a:rPr lang="en-US" sz="1400" dirty="0">
-                <a:latin typeface="Arial" panose="020B0604020202020204" pitchFamily="34" charset="0"/>
-                <a:ea typeface="Arial" panose="020B0604020202020204" pitchFamily="34" charset="0"/>
-              </a:rPr>
-              <a:t>Link: </a:t>
-            </a:r>
-            <a:r>
-              <a:rPr lang="en-US" sz="1400" u="sng" dirty="0">
-                <a:solidFill>
-                  <a:srgbClr val="0000FF"/>
-                </a:solidFill>
-                <a:latin typeface="Arial" panose="020B0604020202020204" pitchFamily="34" charset="0"/>
-                <a:ea typeface="Arial" panose="020B0604020202020204" pitchFamily="34" charset="0"/>
-                <a:hlinkClick r:id="rId4"/>
-              </a:rPr>
-              <a:t>https</a:t>
-            </a:r>
-            <a:r>
-              <a:rPr lang="en-US" sz="1400" u="sng" dirty="0" smtClean="0">
-                <a:solidFill>
-                  <a:srgbClr val="0000FF"/>
-                </a:solidFill>
-                <a:latin typeface="Arial" panose="020B0604020202020204" pitchFamily="34" charset="0"/>
-                <a:ea typeface="Arial" panose="020B0604020202020204" pitchFamily="34" charset="0"/>
-                <a:hlinkClick r:id="rId4"/>
-              </a:rPr>
-              <a:t>://</a:t>
-            </a:r>
-            <a:r>
-              <a:rPr lang="en-US" sz="1400" u="sng" dirty="0" smtClean="0">
-                <a:solidFill>
-                  <a:srgbClr val="0000FF"/>
-                </a:solidFill>
-                <a:latin typeface="Arial" panose="020B0604020202020204" pitchFamily="34" charset="0"/>
-                <a:ea typeface="Arial" panose="020B0604020202020204" pitchFamily="34" charset="0"/>
-              </a:rPr>
-              <a:t>anodiam.com/teacher/signup</a:t>
-            </a:r>
-            <a:endParaRPr lang="en-AU" sz="1400" dirty="0"/>
-          </a:p>
-        </p:txBody>
-      </p:sp>
+      </p:pic>
     </p:spTree>
     <p:extLst>
       <p:ext uri="{BB962C8B-B14F-4D97-AF65-F5344CB8AC3E}">
